--- a/images/封面设计.pptx
+++ b/images/封面设计.pptx
@@ -104,6 +104,11 @@
       </a:defRPr>
     </a:lvl9pPr>
   </p:defaultTextStyle>
+  <p:extLst>
+    <p:ext uri="{EFAFB233-063F-42B5-8137-9DF3F51BA10A}">
+      <p15:sldGuideLst xmlns:p15="http://schemas.microsoft.com/office/powerpoint/2012/main"/>
+    </p:ext>
+  </p:extLst>
 </p:presentation>
 </file>
 
@@ -3342,7 +3347,7 @@
             <a:avLst/>
           </a:prstGeom>
           <a:solidFill>
-            <a:srgbClr val="588B81"/>
+            <a:srgbClr val="49736B"/>
           </a:solidFill>
           <a:ln>
             <a:noFill/>
@@ -3402,7 +3407,7 @@
         </p:blipFill>
         <p:spPr bwMode="auto">
           <a:xfrm>
-            <a:off x="1155030" y="2069429"/>
+            <a:off x="1155030" y="2081459"/>
             <a:ext cx="8572500" cy="3733800"/>
           </a:xfrm>
           <a:prstGeom prst="rect">
@@ -3493,7 +3498,7 @@
             <a:r>
               <a:rPr lang="en-US" altLang="zh-CN" sz="1400" b="1">
                 <a:solidFill>
-                  <a:srgbClr val="DB5439"/>
+                  <a:srgbClr val="FF0000"/>
                 </a:solidFill>
                 <a:effectLst>
                   <a:outerShdw blurRad="50800" dist="38100" dir="2700000" algn="tl" rotWithShape="0">
@@ -3529,7 +3534,7 @@
             <a:r>
               <a:rPr lang="en-US" altLang="zh-CN" sz="1400" b="1">
                 <a:solidFill>
-                  <a:srgbClr val="92D050"/>
+                  <a:srgbClr val="00FF00"/>
                 </a:solidFill>
                 <a:effectLst>
                   <a:outerShdw blurRad="50800" dist="38100" dir="2700000" algn="tl" rotWithShape="0">
@@ -3565,7 +3570,7 @@
             <a:r>
               <a:rPr lang="en-US" altLang="zh-CN" sz="1400" b="1">
                 <a:solidFill>
-                  <a:srgbClr val="0070C0"/>
+                  <a:srgbClr val="FFFF00"/>
                 </a:solidFill>
                 <a:effectLst>
                   <a:outerShdw blurRad="50800" dist="38100" dir="2700000" algn="tl" rotWithShape="0">
@@ -3582,7 +3587,7 @@
             </a:r>
             <a:endParaRPr lang="zh-CN" altLang="en-US" sz="1400" b="1">
               <a:solidFill>
-                <a:srgbClr val="0070C0"/>
+                <a:srgbClr val="FFFF00"/>
               </a:solidFill>
               <a:effectLst>
                 <a:outerShdw blurRad="50800" dist="38100" dir="2700000" algn="tl" rotWithShape="0">
@@ -3638,7 +3643,7 @@
             <a:r>
               <a:rPr lang="en-US" altLang="zh-CN" sz="6000" b="1">
                 <a:solidFill>
-                  <a:srgbClr val="DB5439"/>
+                  <a:srgbClr val="FF0000"/>
                 </a:solidFill>
                 <a:effectLst>
                   <a:glow>
@@ -3660,7 +3665,7 @@
             <a:r>
               <a:rPr lang="en-US" altLang="zh-CN" sz="6000" b="1">
                 <a:solidFill>
-                  <a:srgbClr val="92D050"/>
+                  <a:srgbClr val="00FF00"/>
                 </a:solidFill>
                 <a:effectLst>
                   <a:glow>
@@ -3682,7 +3687,7 @@
             <a:r>
               <a:rPr lang="en-US" altLang="zh-CN" sz="6000" b="1">
                 <a:solidFill>
-                  <a:srgbClr val="0070C0"/>
+                  <a:srgbClr val="FFFF00"/>
                 </a:solidFill>
                 <a:effectLst>
                   <a:glow>
@@ -3703,7 +3708,7 @@
             </a:r>
             <a:endParaRPr lang="zh-CN" altLang="en-US" sz="6000" b="1">
               <a:solidFill>
-                <a:srgbClr val="0070C0"/>
+                <a:srgbClr val="FFFF00"/>
               </a:solidFill>
               <a:effectLst>
                 <a:glow>

--- a/images/封面设计.pptx
+++ b/images/封面设计.pptx
@@ -3328,10 +3328,10 @@
       </p:grpSpPr>
       <p:sp>
         <p:nvSpPr>
-          <p:cNvPr id="8" name="矩形 7">
-            <a:extLst>
-              <a:ext uri="{FF2B5EF4-FFF2-40B4-BE49-F238E27FC236}">
-                <a16:creationId xmlns:a16="http://schemas.microsoft.com/office/drawing/2014/main" id="{062BE206-E735-0496-7B3B-4776CD50D547}"/>
+          <p:cNvPr id="2" name="矩形 1">
+            <a:extLst>
+              <a:ext uri="{FF2B5EF4-FFF2-40B4-BE49-F238E27FC236}">
+                <a16:creationId xmlns:a16="http://schemas.microsoft.com/office/drawing/2014/main" id="{68D8ECD3-8110-A6BA-7077-4F0756CC259D}"/>
               </a:ext>
             </a:extLst>
           </p:cNvPr>
@@ -3340,14 +3340,16 @@
         </p:nvSpPr>
         <p:spPr>
           <a:xfrm>
-            <a:off x="1155029" y="1231232"/>
-            <a:ext cx="8572499" cy="838197"/>
+            <a:off x="1155029" y="1941259"/>
+            <a:ext cx="8572499" cy="316832"/>
           </a:xfrm>
           <a:prstGeom prst="rect">
             <a:avLst/>
           </a:prstGeom>
           <a:solidFill>
-            <a:srgbClr val="49736B"/>
+            <a:schemeClr val="bg1">
+              <a:lumMod val="65000"/>
+            </a:schemeClr>
           </a:solidFill>
           <a:ln>
             <a:noFill/>
@@ -3378,6 +3380,58 @@
           </a:p>
         </p:txBody>
       </p:sp>
+      <p:sp>
+        <p:nvSpPr>
+          <p:cNvPr id="8" name="矩形 7">
+            <a:extLst>
+              <a:ext uri="{FF2B5EF4-FFF2-40B4-BE49-F238E27FC236}">
+                <a16:creationId xmlns:a16="http://schemas.microsoft.com/office/drawing/2014/main" id="{062BE206-E735-0496-7B3B-4776CD50D547}"/>
+              </a:ext>
+            </a:extLst>
+          </p:cNvPr>
+          <p:cNvSpPr/>
+          <p:nvPr/>
+        </p:nvSpPr>
+        <p:spPr>
+          <a:xfrm>
+            <a:off x="1155029" y="1231232"/>
+            <a:ext cx="8572499" cy="838197"/>
+          </a:xfrm>
+          <a:prstGeom prst="rect">
+            <a:avLst/>
+          </a:prstGeom>
+          <a:solidFill>
+            <a:srgbClr val="2C451B"/>
+          </a:solidFill>
+          <a:ln>
+            <a:noFill/>
+          </a:ln>
+        </p:spPr>
+        <p:style>
+          <a:lnRef idx="2">
+            <a:schemeClr val="accent1">
+              <a:shade val="50000"/>
+            </a:schemeClr>
+          </a:lnRef>
+          <a:fillRef idx="1">
+            <a:schemeClr val="accent1"/>
+          </a:fillRef>
+          <a:effectRef idx="0">
+            <a:schemeClr val="accent1"/>
+          </a:effectRef>
+          <a:fontRef idx="minor">
+            <a:schemeClr val="lt1"/>
+          </a:fontRef>
+        </p:style>
+        <p:txBody>
+          <a:bodyPr rtlCol="0" anchor="ctr"/>
+          <a:lstStyle/>
+          <a:p>
+            <a:pPr algn="ctr"/>
+            <a:endParaRPr lang="zh-CN" altLang="en-US"/>
+          </a:p>
+        </p:txBody>
+      </p:sp>
       <p:pic>
         <p:nvPicPr>
           <p:cNvPr id="1026" name="Picture 2">
@@ -3407,7 +3461,7 @@
         </p:blipFill>
         <p:spPr bwMode="auto">
           <a:xfrm>
-            <a:off x="1155030" y="2081459"/>
+            <a:off x="1155030" y="2073437"/>
             <a:ext cx="8572500" cy="3733800"/>
           </a:xfrm>
           <a:prstGeom prst="rect">

--- a/images/封面设计.pptx
+++ b/images/封面设计.pptx
@@ -3401,7 +3401,7 @@
             <a:avLst/>
           </a:prstGeom>
           <a:solidFill>
-            <a:srgbClr val="2C451B"/>
+            <a:srgbClr val="334B47"/>
           </a:solidFill>
           <a:ln>
             <a:noFill/>
@@ -3461,7 +3461,7 @@
         </p:blipFill>
         <p:spPr bwMode="auto">
           <a:xfrm>
-            <a:off x="1155030" y="2073437"/>
+            <a:off x="1155030" y="2077448"/>
             <a:ext cx="8572500" cy="3733800"/>
           </a:xfrm>
           <a:prstGeom prst="rect">
